--- a/Slides/Aula2.pptx
+++ b/Slides/Aula2.pptx
@@ -14,6 +14,7 @@
     <p:sldId id="263" r:id="rId8"/>
     <p:sldId id="262" r:id="rId9"/>
     <p:sldId id="264" r:id="rId10"/>
+    <p:sldId id="265" r:id="rId11"/>
   </p:sldIdLst>
   <p:sldSz cx="9144000" cy="6858000" type="screen4x3"/>
   <p:notesSz cx="6858000" cy="9144000"/>
@@ -2872,7 +2873,7 @@
           <a:p>
             <a:fld id="{94C93CC4-4521-BF4D-BAE5-B501DD236F94}" type="datetimeFigureOut">
               <a:rPr lang="en-US" smtClean="0"/>
-              <a:t>30/04/15</a:t>
+              <a:t>17/06/15</a:t>
             </a:fld>
             <a:endParaRPr lang="en-US"/>
           </a:p>
@@ -3157,7 +3158,7 @@
           <a:p>
             <a:fld id="{94C93CC4-4521-BF4D-BAE5-B501DD236F94}" type="datetimeFigureOut">
               <a:rPr lang="en-US" smtClean="0"/>
-              <a:t>30/04/15</a:t>
+              <a:t>17/06/15</a:t>
             </a:fld>
             <a:endParaRPr lang="en-US"/>
           </a:p>
@@ -3332,7 +3333,7 @@
           <a:p>
             <a:fld id="{94C93CC4-4521-BF4D-BAE5-B501DD236F94}" type="datetimeFigureOut">
               <a:rPr lang="en-US" smtClean="0"/>
-              <a:t>30/04/15</a:t>
+              <a:t>17/06/15</a:t>
             </a:fld>
             <a:endParaRPr lang="en-US"/>
           </a:p>
@@ -3497,7 +3498,7 @@
           <a:p>
             <a:fld id="{94C93CC4-4521-BF4D-BAE5-B501DD236F94}" type="datetimeFigureOut">
               <a:rPr lang="en-US" smtClean="0"/>
-              <a:t>30/04/15</a:t>
+              <a:t>17/06/15</a:t>
             </a:fld>
             <a:endParaRPr lang="en-US"/>
           </a:p>
@@ -3738,7 +3739,7 @@
           <a:p>
             <a:fld id="{94C93CC4-4521-BF4D-BAE5-B501DD236F94}" type="datetimeFigureOut">
               <a:rPr lang="en-US" smtClean="0"/>
-              <a:t>30/04/15</a:t>
+              <a:t>17/06/15</a:t>
             </a:fld>
             <a:endParaRPr lang="en-US"/>
           </a:p>
@@ -3851,7 +3852,7 @@
           <a:p>
             <a:fld id="{94C93CC4-4521-BF4D-BAE5-B501DD236F94}" type="datetimeFigureOut">
               <a:rPr lang="en-US" smtClean="0"/>
-              <a:t>30/04/15</a:t>
+              <a:t>17/06/15</a:t>
             </a:fld>
             <a:endParaRPr lang="en-US"/>
           </a:p>
@@ -4390,7 +4391,7 @@
           <a:p>
             <a:fld id="{94C93CC4-4521-BF4D-BAE5-B501DD236F94}" type="datetimeFigureOut">
               <a:rPr lang="en-US" smtClean="0"/>
-              <a:t>30/04/15</a:t>
+              <a:t>17/06/15</a:t>
             </a:fld>
             <a:endParaRPr lang="en-US"/>
           </a:p>
@@ -4503,7 +4504,7 @@
           <a:p>
             <a:fld id="{94C93CC4-4521-BF4D-BAE5-B501DD236F94}" type="datetimeFigureOut">
               <a:rPr lang="en-US" smtClean="0"/>
-              <a:t>30/04/15</a:t>
+              <a:t>17/06/15</a:t>
             </a:fld>
             <a:endParaRPr lang="en-US"/>
           </a:p>
@@ -4593,7 +4594,7 @@
           <a:p>
             <a:fld id="{94C93CC4-4521-BF4D-BAE5-B501DD236F94}" type="datetimeFigureOut">
               <a:rPr lang="en-US" smtClean="0"/>
-              <a:t>30/04/15</a:t>
+              <a:t>17/06/15</a:t>
             </a:fld>
             <a:endParaRPr lang="en-US"/>
           </a:p>
@@ -7244,7 +7245,7 @@
           <a:p>
             <a:fld id="{94C93CC4-4521-BF4D-BAE5-B501DD236F94}" type="datetimeFigureOut">
               <a:rPr lang="en-US" smtClean="0"/>
-              <a:t>30/04/15</a:t>
+              <a:t>17/06/15</a:t>
             </a:fld>
             <a:endParaRPr lang="en-US"/>
           </a:p>
@@ -10456,7 +10457,7 @@
           <a:p>
             <a:fld id="{94C93CC4-4521-BF4D-BAE5-B501DD236F94}" type="datetimeFigureOut">
               <a:rPr lang="en-US" smtClean="0"/>
-              <a:t>30/04/15</a:t>
+              <a:t>17/06/15</a:t>
             </a:fld>
             <a:endParaRPr lang="en-US"/>
           </a:p>
@@ -13278,7 +13279,7 @@
           <a:p>
             <a:fld id="{94C93CC4-4521-BF4D-BAE5-B501DD236F94}" type="datetimeFigureOut">
               <a:rPr lang="en-US" smtClean="0"/>
-              <a:t>30/04/15</a:t>
+              <a:t>17/06/15</a:t>
             </a:fld>
             <a:endParaRPr lang="en-US"/>
           </a:p>
@@ -13829,6 +13830,118 @@
       </p:par>
     </p:tnLst>
   </p:timing>
+</p:sld>
+</file>
+
+<file path=ppt/slides/slide10.xml><?xml version="1.0" encoding="utf-8"?>
+<p:sld xmlns:a="http://schemas.openxmlformats.org/drawingml/2006/main" xmlns:r="http://schemas.openxmlformats.org/officeDocument/2006/relationships" xmlns:p="http://schemas.openxmlformats.org/presentationml/2006/main">
+  <p:cSld>
+    <p:spTree>
+      <p:nvGrpSpPr>
+        <p:cNvPr id="1" name=""/>
+        <p:cNvGrpSpPr/>
+        <p:nvPr/>
+      </p:nvGrpSpPr>
+      <p:grpSpPr>
+        <a:xfrm>
+          <a:off x="0" y="0"/>
+          <a:ext cx="0" cy="0"/>
+          <a:chOff x="0" y="0"/>
+          <a:chExt cx="0" cy="0"/>
+        </a:xfrm>
+      </p:grpSpPr>
+      <p:sp>
+        <p:nvSpPr>
+          <p:cNvPr id="2" name="Title 1"/>
+          <p:cNvSpPr>
+            <a:spLocks noGrp="1"/>
+          </p:cNvSpPr>
+          <p:nvPr>
+            <p:ph type="title"/>
+          </p:nvPr>
+        </p:nvSpPr>
+        <p:spPr/>
+        <p:txBody>
+          <a:bodyPr/>
+          <a:lstStyle/>
+          <a:p>
+            <a:r>
+              <a:rPr lang="pt-BR" dirty="0" smtClean="0"/>
+              <a:t>Desafio</a:t>
+            </a:r>
+            <a:endParaRPr lang="pt-BR" dirty="0"/>
+          </a:p>
+        </p:txBody>
+      </p:sp>
+      <p:sp>
+        <p:nvSpPr>
+          <p:cNvPr id="3" name="Content Placeholder 2"/>
+          <p:cNvSpPr>
+            <a:spLocks noGrp="1"/>
+          </p:cNvSpPr>
+          <p:nvPr>
+            <p:ph idx="1"/>
+          </p:nvPr>
+        </p:nvSpPr>
+        <p:spPr/>
+        <p:txBody>
+          <a:bodyPr/>
+          <a:lstStyle/>
+          <a:p>
+            <a:pPr>
+              <a:buFont typeface="Arial"/>
+              <a:buChar char="•"/>
+            </a:pPr>
+            <a:r>
+              <a:rPr lang="pt-BR" dirty="0" smtClean="0"/>
+              <a:t>Navegar para uma terceira tela, trafegando informa</a:t>
+            </a:r>
+            <a:r>
+              <a:rPr lang="pt-BR" dirty="0" smtClean="0"/>
+              <a:t>ção;</a:t>
+            </a:r>
+          </a:p>
+          <a:p>
+            <a:pPr>
+              <a:buFont typeface="Arial"/>
+              <a:buChar char="•"/>
+            </a:pPr>
+            <a:r>
+              <a:rPr lang="pt-BR" dirty="0" smtClean="0"/>
+              <a:t>Na terceira tela a informação sofre </a:t>
+            </a:r>
+            <a:r>
+              <a:rPr lang="pt-BR" smtClean="0"/>
+              <a:t>mudança;</a:t>
+            </a:r>
+          </a:p>
+          <a:p>
+            <a:pPr>
+              <a:buFont typeface="Arial"/>
+              <a:buChar char="•"/>
+            </a:pPr>
+            <a:r>
+              <a:rPr lang="pt-BR" smtClean="0"/>
+              <a:t>A </a:t>
+            </a:r>
+            <a:r>
+              <a:rPr lang="pt-BR" dirty="0" smtClean="0"/>
+              <a:t>mudança é refletida na tela anterior.</a:t>
+            </a:r>
+            <a:endParaRPr lang="pt-BR" dirty="0"/>
+          </a:p>
+        </p:txBody>
+      </p:sp>
+    </p:spTree>
+    <p:extLst>
+      <p:ext uri="{BB962C8B-B14F-4D97-AF65-F5344CB8AC3E}">
+        <p14:creationId xmlns:p14="http://schemas.microsoft.com/office/powerpoint/2010/main" val="1582416075"/>
+      </p:ext>
+    </p:extLst>
+  </p:cSld>
+  <p:clrMapOvr>
+    <a:masterClrMapping/>
+  </p:clrMapOvr>
 </p:sld>
 </file>
 
